--- a/實驗室第二次訓練作業.pptx
+++ b/實驗室第二次訓練作業.pptx
@@ -172,7 +172,7 @@
   <pc:docChgLst>
     <pc:chgData name="季憲 蔡" userId="64995fb9fe78a0d5" providerId="LiveId" clId="{2A8B51FA-4EF9-4B65-9E6E-9DC899B01C38}"/>
     <pc:docChg chg="undo redo custSel addSld delSld modSld sldOrd">
-      <pc:chgData name="季憲 蔡" userId="64995fb9fe78a0d5" providerId="LiveId" clId="{2A8B51FA-4EF9-4B65-9E6E-9DC899B01C38}" dt="2023-07-15T15:06:34.247" v="2297" actId="20577"/>
+      <pc:chgData name="季憲 蔡" userId="64995fb9fe78a0d5" providerId="LiveId" clId="{2A8B51FA-4EF9-4B65-9E6E-9DC899B01C38}" dt="2023-07-15T15:14:39.769" v="2301" actId="20577"/>
       <pc:docMkLst>
         <pc:docMk/>
       </pc:docMkLst>
@@ -343,13 +343,13 @@
         </pc:sldMkLst>
       </pc:sldChg>
       <pc:sldChg chg="modSp mod">
-        <pc:chgData name="季憲 蔡" userId="64995fb9fe78a0d5" providerId="LiveId" clId="{2A8B51FA-4EF9-4B65-9E6E-9DC899B01C38}" dt="2023-07-15T12:51:39.653" v="144" actId="20577"/>
+        <pc:chgData name="季憲 蔡" userId="64995fb9fe78a0d5" providerId="LiveId" clId="{2A8B51FA-4EF9-4B65-9E6E-9DC899B01C38}" dt="2023-07-15T15:14:39.769" v="2301" actId="20577"/>
         <pc:sldMkLst>
           <pc:docMk/>
           <pc:sldMk cId="3957522868" sldId="285"/>
         </pc:sldMkLst>
         <pc:spChg chg="mod">
-          <ac:chgData name="季憲 蔡" userId="64995fb9fe78a0d5" providerId="LiveId" clId="{2A8B51FA-4EF9-4B65-9E6E-9DC899B01C38}" dt="2023-07-15T12:51:39.653" v="144" actId="20577"/>
+          <ac:chgData name="季憲 蔡" userId="64995fb9fe78a0d5" providerId="LiveId" clId="{2A8B51FA-4EF9-4B65-9E6E-9DC899B01C38}" dt="2023-07-15T15:14:39.769" v="2301" actId="20577"/>
           <ac:spMkLst>
             <pc:docMk/>
             <pc:sldMk cId="3957522868" sldId="285"/>
@@ -12702,7 +12702,11 @@
             </a:pPr>
             <a:r>
               <a:rPr lang="zh-TW" altLang="en-US" dirty="0"/>
-              <a:t>隨機產生兩數</a:t>
+              <a:t>隨機</a:t>
+            </a:r>
+            <a:r>
+              <a:rPr lang="zh-TW" altLang="en-US"/>
+              <a:t>產生兩整數</a:t>
             </a:r>
             <a:r>
               <a:rPr lang="en-US" altLang="zh-TW" dirty="0"/>
@@ -14346,15 +14350,6 @@
 </file>
 
 <file path=customXml/item2.xml><?xml version="1.0" encoding="utf-8"?>
-<?mso-contentType ?>
-<FormTemplates xmlns="http://schemas.microsoft.com/sharepoint/v3/contenttype/forms">
-  <Display>DocumentLibraryForm</Display>
-  <Edit>DocumentLibraryForm</Edit>
-  <New>DocumentLibraryForm</New>
-</FormTemplates>
-</file>
-
-<file path=customXml/item3.xml><?xml version="1.0" encoding="utf-8"?>
 <ct:contentTypeSchema xmlns:ct="http://schemas.microsoft.com/office/2006/metadata/contentType" xmlns:ma="http://schemas.microsoft.com/office/2006/metadata/properties/metaAttributes" ct:_="" ma:_="" ma:contentTypeName="Document" ma:contentTypeID="0x01010079F111ED35F8CC479449609E8A0923A6" ma:contentTypeVersion="20" ma:contentTypeDescription="Create a new document." ma:contentTypeScope="" ma:versionID="1267097ee5f5874adfcc408041ae252e">
   <xsd:schema xmlns:xsd="http://www.w3.org/2001/XMLSchema" xmlns:xs="http://www.w3.org/2001/XMLSchema" xmlns:p="http://schemas.microsoft.com/office/2006/metadata/properties" xmlns:ns1="http://schemas.microsoft.com/sharepoint/v3" xmlns:ns2="71af3243-3dd4-4a8d-8c0d-dd76da1f02a5" xmlns:ns3="16c05727-aa75-4e4a-9b5f-8a80a1165891" xmlns:ns4="230e9df3-be65-4c73-a93b-d1236ebd677e" targetNamespace="http://schemas.microsoft.com/office/2006/metadata/properties" ma:root="true" ma:fieldsID="395891a93df65b14727750f2c06c306c" ns1:_="" ns2:_="" ns3:_="" ns4:_="">
     <xsd:import namespace="http://schemas.microsoft.com/sharepoint/v3"/>
@@ -14630,6 +14625,15 @@
 </ct:contentTypeSchema>
 </file>
 
+<file path=customXml/item3.xml><?xml version="1.0" encoding="utf-8"?>
+<?mso-contentType ?>
+<FormTemplates xmlns="http://schemas.microsoft.com/sharepoint/v3/contenttype/forms">
+  <Display>DocumentLibraryForm</Display>
+  <Edit>DocumentLibraryForm</Edit>
+  <New>DocumentLibraryForm</New>
+</FormTemplates>
+</file>
+
 <file path=customXml/itemProps1.xml><?xml version="1.0" encoding="utf-8"?>
 <ds:datastoreItem xmlns:ds="http://schemas.openxmlformats.org/officeDocument/2006/customXml" ds:itemID="{6251B918-0091-4E96-9E28-42B87D9557A7}">
   <ds:schemaRefs>
@@ -14643,14 +14647,6 @@
 </file>
 
 <file path=customXml/itemProps2.xml><?xml version="1.0" encoding="utf-8"?>
-<ds:datastoreItem xmlns:ds="http://schemas.openxmlformats.org/officeDocument/2006/customXml" ds:itemID="{AA0EFE35-5C2D-4EEC-93CA-7B3D4088735C}">
-  <ds:schemaRefs>
-    <ds:schemaRef ds:uri="http://schemas.microsoft.com/sharepoint/v3/contenttype/forms"/>
-  </ds:schemaRefs>
-</ds:datastoreItem>
-</file>
-
-<file path=customXml/itemProps3.xml><?xml version="1.0" encoding="utf-8"?>
 <ds:datastoreItem xmlns:ds="http://schemas.openxmlformats.org/officeDocument/2006/customXml" ds:itemID="{33878E47-D7B4-44CA-8507-24783F79A5A1}">
   <ds:schemaRefs>
     <ds:schemaRef ds:uri="http://schemas.microsoft.com/office/2006/metadata/contentType"/>
@@ -14669,4 +14665,12 @@
     <ds:schemaRef ds:uri="http://schemas.microsoft.com/internal/obd"/>
   </ds:schemaRefs>
 </ds:datastoreItem>
+</file>
+
+<file path=customXml/itemProps3.xml><?xml version="1.0" encoding="utf-8"?>
+<ds:datastoreItem xmlns:ds="http://schemas.openxmlformats.org/officeDocument/2006/customXml" ds:itemID="{AA0EFE35-5C2D-4EEC-93CA-7B3D4088735C}">
+  <ds:schemaRefs>
+    <ds:schemaRef ds:uri="http://schemas.microsoft.com/sharepoint/v3/contenttype/forms"/>
+  </ds:schemaRefs>
+</ds:datastoreItem>
 </file>